--- a/Codon_chart/Amino_acid_codon_chart.pptx
+++ b/Codon_chart/Amino_acid_codon_chart.pptx
@@ -260,7 +260,7 @@
           <a:p>
             <a:fld id="{1DB82104-25F0-724B-B965-FE43F6107257}" type="datetimeFigureOut">
               <a:rPr lang="en-US" smtClean="0"/>
-              <a:t>1/24/23</a:t>
+              <a:t>1/25/23</a:t>
             </a:fld>
             <a:endParaRPr lang="en-US"/>
           </a:p>
@@ -458,7 +458,7 @@
           <a:p>
             <a:fld id="{1DB82104-25F0-724B-B965-FE43F6107257}" type="datetimeFigureOut">
               <a:rPr lang="en-US" smtClean="0"/>
-              <a:t>1/24/23</a:t>
+              <a:t>1/25/23</a:t>
             </a:fld>
             <a:endParaRPr lang="en-US"/>
           </a:p>
@@ -666,7 +666,7 @@
           <a:p>
             <a:fld id="{1DB82104-25F0-724B-B965-FE43F6107257}" type="datetimeFigureOut">
               <a:rPr lang="en-US" smtClean="0"/>
-              <a:t>1/24/23</a:t>
+              <a:t>1/25/23</a:t>
             </a:fld>
             <a:endParaRPr lang="en-US"/>
           </a:p>
@@ -864,7 +864,7 @@
           <a:p>
             <a:fld id="{1DB82104-25F0-724B-B965-FE43F6107257}" type="datetimeFigureOut">
               <a:rPr lang="en-US" smtClean="0"/>
-              <a:t>1/24/23</a:t>
+              <a:t>1/25/23</a:t>
             </a:fld>
             <a:endParaRPr lang="en-US"/>
           </a:p>
@@ -1139,7 +1139,7 @@
           <a:p>
             <a:fld id="{1DB82104-25F0-724B-B965-FE43F6107257}" type="datetimeFigureOut">
               <a:rPr lang="en-US" smtClean="0"/>
-              <a:t>1/24/23</a:t>
+              <a:t>1/25/23</a:t>
             </a:fld>
             <a:endParaRPr lang="en-US"/>
           </a:p>
@@ -1404,7 +1404,7 @@
           <a:p>
             <a:fld id="{1DB82104-25F0-724B-B965-FE43F6107257}" type="datetimeFigureOut">
               <a:rPr lang="en-US" smtClean="0"/>
-              <a:t>1/24/23</a:t>
+              <a:t>1/25/23</a:t>
             </a:fld>
             <a:endParaRPr lang="en-US"/>
           </a:p>
@@ -1816,7 +1816,7 @@
           <a:p>
             <a:fld id="{1DB82104-25F0-724B-B965-FE43F6107257}" type="datetimeFigureOut">
               <a:rPr lang="en-US" smtClean="0"/>
-              <a:t>1/24/23</a:t>
+              <a:t>1/25/23</a:t>
             </a:fld>
             <a:endParaRPr lang="en-US"/>
           </a:p>
@@ -1957,7 +1957,7 @@
           <a:p>
             <a:fld id="{1DB82104-25F0-724B-B965-FE43F6107257}" type="datetimeFigureOut">
               <a:rPr lang="en-US" smtClean="0"/>
-              <a:t>1/24/23</a:t>
+              <a:t>1/25/23</a:t>
             </a:fld>
             <a:endParaRPr lang="en-US"/>
           </a:p>
@@ -2070,7 +2070,7 @@
           <a:p>
             <a:fld id="{1DB82104-25F0-724B-B965-FE43F6107257}" type="datetimeFigureOut">
               <a:rPr lang="en-US" smtClean="0"/>
-              <a:t>1/24/23</a:t>
+              <a:t>1/25/23</a:t>
             </a:fld>
             <a:endParaRPr lang="en-US"/>
           </a:p>
@@ -2381,7 +2381,7 @@
           <a:p>
             <a:fld id="{1DB82104-25F0-724B-B965-FE43F6107257}" type="datetimeFigureOut">
               <a:rPr lang="en-US" smtClean="0"/>
-              <a:t>1/24/23</a:t>
+              <a:t>1/25/23</a:t>
             </a:fld>
             <a:endParaRPr lang="en-US"/>
           </a:p>
@@ -2669,7 +2669,7 @@
           <a:p>
             <a:fld id="{1DB82104-25F0-724B-B965-FE43F6107257}" type="datetimeFigureOut">
               <a:rPr lang="en-US" smtClean="0"/>
-              <a:t>1/24/23</a:t>
+              <a:t>1/25/23</a:t>
             </a:fld>
             <a:endParaRPr lang="en-US"/>
           </a:p>
@@ -2910,7 +2910,7 @@
           <a:p>
             <a:fld id="{1DB82104-25F0-724B-B965-FE43F6107257}" type="datetimeFigureOut">
               <a:rPr lang="en-US" smtClean="0"/>
-              <a:t>1/24/23</a:t>
+              <a:t>1/25/23</a:t>
             </a:fld>
             <a:endParaRPr lang="en-US"/>
           </a:p>
@@ -3329,10 +3329,10 @@
       </p:grpSpPr>
       <p:pic>
         <p:nvPicPr>
-          <p:cNvPr id="9" name="Picture 8">
-            <a:extLst>
-              <a:ext uri="{FF2B5EF4-FFF2-40B4-BE49-F238E27FC236}">
-                <a16:creationId xmlns:a16="http://schemas.microsoft.com/office/drawing/2014/main" id="{C1C171EE-B2D1-1B9C-BE6F-10DA6590AB11}"/>
+          <p:cNvPr id="3" name="Picture 2">
+            <a:extLst>
+              <a:ext uri="{FF2B5EF4-FFF2-40B4-BE49-F238E27FC236}">
+                <a16:creationId xmlns:a16="http://schemas.microsoft.com/office/drawing/2014/main" id="{12C8900D-9C29-1AB6-66BD-78B63DBE85A2}"/>
               </a:ext>
             </a:extLst>
           </p:cNvPr>
@@ -3349,38 +3349,8 @@
         </p:blipFill>
         <p:spPr>
           <a:xfrm>
-            <a:off x="1481137" y="593116"/>
-            <a:ext cx="4953000" cy="2971800"/>
-          </a:xfrm>
-          <a:prstGeom prst="rect">
-            <a:avLst/>
-          </a:prstGeom>
-        </p:spPr>
-      </p:pic>
-      <p:pic>
-        <p:nvPicPr>
-          <p:cNvPr id="13" name="Picture 12">
-            <a:extLst>
-              <a:ext uri="{FF2B5EF4-FFF2-40B4-BE49-F238E27FC236}">
-                <a16:creationId xmlns:a16="http://schemas.microsoft.com/office/drawing/2014/main" id="{205390DB-A0FF-8F35-BC14-A19BEBFB1750}"/>
-              </a:ext>
-            </a:extLst>
-          </p:cNvPr>
-          <p:cNvPicPr>
-            <a:picLocks noChangeAspect="1"/>
-          </p:cNvPicPr>
-          <p:nvPr/>
-        </p:nvPicPr>
-        <p:blipFill>
-          <a:blip r:embed="rId3"/>
-          <a:stretch>
-            <a:fillRect/>
-          </a:stretch>
-        </p:blipFill>
-        <p:spPr>
-          <a:xfrm>
-            <a:off x="1481137" y="3513224"/>
-            <a:ext cx="4953000" cy="2971800"/>
+            <a:off x="1903326" y="560726"/>
+            <a:ext cx="4572000" cy="1143000"/>
           </a:xfrm>
           <a:prstGeom prst="rect">
             <a:avLst/>
@@ -3402,7 +3372,7 @@
           <p:nvPr/>
         </p:nvPicPr>
         <p:blipFill>
-          <a:blip r:embed="rId4"/>
+          <a:blip r:embed="rId3"/>
           <a:stretch>
             <a:fillRect/>
           </a:stretch>
@@ -3419,10 +3389,10 @@
       </p:pic>
       <p:sp>
         <p:nvSpPr>
-          <p:cNvPr id="16" name="TextBox 15">
-            <a:extLst>
-              <a:ext uri="{FF2B5EF4-FFF2-40B4-BE49-F238E27FC236}">
-                <a16:creationId xmlns:a16="http://schemas.microsoft.com/office/drawing/2014/main" id="{DD3D0E91-A011-1A0C-1A6E-00A713A5B661}"/>
+          <p:cNvPr id="17" name="TextBox 16">
+            <a:extLst>
+              <a:ext uri="{FF2B5EF4-FFF2-40B4-BE49-F238E27FC236}">
+                <a16:creationId xmlns:a16="http://schemas.microsoft.com/office/drawing/2014/main" id="{1621E64D-B0E3-F978-8F99-CD2A0FA49D84}"/>
               </a:ext>
             </a:extLst>
           </p:cNvPr>
@@ -3431,42 +3401,7 @@
         </p:nvSpPr>
         <p:spPr>
           <a:xfrm>
-            <a:off x="3546558" y="3615208"/>
-            <a:ext cx="2887579" cy="369332"/>
-          </a:xfrm>
-          <a:prstGeom prst="rect">
-            <a:avLst/>
-          </a:prstGeom>
-          <a:noFill/>
-        </p:spPr>
-        <p:txBody>
-          <a:bodyPr wrap="square" rtlCol="0">
-            <a:spAutoFit/>
-          </a:bodyPr>
-          <a:lstStyle/>
-          <a:p>
-            <a:r>
-              <a:rPr lang="en-US" dirty="0"/>
-              <a:t>Total codon frequency by aa</a:t>
-            </a:r>
-          </a:p>
-        </p:txBody>
-      </p:sp>
-      <p:sp>
-        <p:nvSpPr>
-          <p:cNvPr id="17" name="TextBox 16">
-            <a:extLst>
-              <a:ext uri="{FF2B5EF4-FFF2-40B4-BE49-F238E27FC236}">
-                <a16:creationId xmlns:a16="http://schemas.microsoft.com/office/drawing/2014/main" id="{1621E64D-B0E3-F978-8F99-CD2A0FA49D84}"/>
-              </a:ext>
-            </a:extLst>
-          </p:cNvPr>
-          <p:cNvSpPr txBox="1"/>
-          <p:nvPr/>
-        </p:nvSpPr>
-        <p:spPr>
-          <a:xfrm>
-            <a:off x="4085220" y="745392"/>
+            <a:off x="4189326" y="593116"/>
             <a:ext cx="2348917" cy="369332"/>
           </a:xfrm>
           <a:prstGeom prst="rect">
@@ -3522,6 +3457,36 @@
           </a:p>
         </p:txBody>
       </p:sp>
+      <p:pic>
+        <p:nvPicPr>
+          <p:cNvPr id="5" name="Picture 4" descr="Scatter chart&#10;&#10;Description automatically generated">
+            <a:extLst>
+              <a:ext uri="{FF2B5EF4-FFF2-40B4-BE49-F238E27FC236}">
+                <a16:creationId xmlns:a16="http://schemas.microsoft.com/office/drawing/2014/main" id="{5CD075C8-8D62-B319-BA46-49C3EE9A39C6}"/>
+              </a:ext>
+            </a:extLst>
+          </p:cNvPr>
+          <p:cNvPicPr>
+            <a:picLocks noChangeAspect="1"/>
+          </p:cNvPicPr>
+          <p:nvPr/>
+        </p:nvPicPr>
+        <p:blipFill>
+          <a:blip r:embed="rId4"/>
+          <a:stretch>
+            <a:fillRect/>
+          </a:stretch>
+        </p:blipFill>
+        <p:spPr>
+          <a:xfrm>
+            <a:off x="1417971" y="1648059"/>
+            <a:ext cx="5439717" cy="4989241"/>
+          </a:xfrm>
+          <a:prstGeom prst="rect">
+            <a:avLst/>
+          </a:prstGeom>
+        </p:spPr>
+      </p:pic>
     </p:spTree>
     <p:extLst>
       <p:ext uri="{BB962C8B-B14F-4D97-AF65-F5344CB8AC3E}">
